--- a/Slides/1_Presentacion&VonNeumann.pptx
+++ b/Slides/1_Presentacion&VonNeumann.pptx
@@ -145,16 +145,6 @@
     </p:ext>
   </p:extLst>
 </p:presentation>
-</file>
-
-<file path=ppt/revisionInfo.xml><?xml version="1.0" encoding="utf-8"?>
-<p1510:revInfo xmlns:a="http://schemas.openxmlformats.org/drawingml/2006/main" xmlns:r="http://schemas.openxmlformats.org/officeDocument/2006/relationships" xmlns:p1510="http://schemas.microsoft.com/office/powerpoint/2015/10/main">
-  <p1510:revLst>
-    <p1510:client id="{610369CC-5A26-5F35-65D2-A875542DA7C4}" v="181" dt="2025-07-15T00:16:26.607"/>
-    <p1510:client id="{BEE32F3D-0B28-5DC6-DD2B-BD5BC9CE68EE}" v="2" dt="2025-07-15T00:17:34.304"/>
-    <p1510:client id="{D4FCCD95-15BD-A679-7BD7-190B599F5355}" v="274" dt="2025-07-15T00:29:09.560"/>
-  </p1510:revLst>
-</p1510:revInfo>
 </file>
 
 <file path=ppt/changesInfos/changesInfo1.xml><?xml version="1.0" encoding="utf-8"?>
@@ -990,6 +980,60 @@
     </pc:docChg>
   </pc:docChgLst>
   <pc:docChgLst>
+    <pc:chgData name="Cesar Augusto Lopez Gallego" userId="0dfa9112-9251-4882-b472-cf2dfcee09d1" providerId="ADAL" clId="{905DB7D2-AEB1-4AD4-839D-7B7F601BB3FC}"/>
+    <pc:docChg chg="custSel modSld">
+      <pc:chgData name="Cesar Augusto Lopez Gallego" userId="0dfa9112-9251-4882-b472-cf2dfcee09d1" providerId="ADAL" clId="{905DB7D2-AEB1-4AD4-839D-7B7F601BB3FC}" dt="2026-01-16T14:12:20.367" v="276" actId="20577"/>
+      <pc:docMkLst>
+        <pc:docMk/>
+      </pc:docMkLst>
+      <pc:sldChg chg="modSp mod">
+        <pc:chgData name="Cesar Augusto Lopez Gallego" userId="0dfa9112-9251-4882-b472-cf2dfcee09d1" providerId="ADAL" clId="{905DB7D2-AEB1-4AD4-839D-7B7F601BB3FC}" dt="2026-01-16T14:12:20.367" v="276" actId="20577"/>
+        <pc:sldMkLst>
+          <pc:docMk/>
+          <pc:sldMk cId="115586374" sldId="288"/>
+        </pc:sldMkLst>
+        <pc:spChg chg="mod">
+          <ac:chgData name="Cesar Augusto Lopez Gallego" userId="0dfa9112-9251-4882-b472-cf2dfcee09d1" providerId="ADAL" clId="{905DB7D2-AEB1-4AD4-839D-7B7F601BB3FC}" dt="2026-01-16T14:12:20.367" v="276" actId="20577"/>
+          <ac:spMkLst>
+            <pc:docMk/>
+            <pc:sldMk cId="115586374" sldId="288"/>
+            <ac:spMk id="3" creationId="{00000000-0000-0000-0000-000000000000}"/>
+          </ac:spMkLst>
+        </pc:spChg>
+      </pc:sldChg>
+      <pc:sldChg chg="modSp modAnim">
+        <pc:chgData name="Cesar Augusto Lopez Gallego" userId="0dfa9112-9251-4882-b472-cf2dfcee09d1" providerId="ADAL" clId="{905DB7D2-AEB1-4AD4-839D-7B7F601BB3FC}" dt="2026-01-16T14:09:02.375" v="16" actId="5793"/>
+        <pc:sldMkLst>
+          <pc:docMk/>
+          <pc:sldMk cId="2185264058" sldId="301"/>
+        </pc:sldMkLst>
+        <pc:spChg chg="mod">
+          <ac:chgData name="Cesar Augusto Lopez Gallego" userId="0dfa9112-9251-4882-b472-cf2dfcee09d1" providerId="ADAL" clId="{905DB7D2-AEB1-4AD4-839D-7B7F601BB3FC}" dt="2026-01-16T14:09:02.375" v="16" actId="5793"/>
+          <ac:spMkLst>
+            <pc:docMk/>
+            <pc:sldMk cId="2185264058" sldId="301"/>
+            <ac:spMk id="8" creationId="{CBF577E8-98E5-2CE7-2814-B220877A1448}"/>
+          </ac:spMkLst>
+        </pc:spChg>
+      </pc:sldChg>
+      <pc:sldChg chg="modSp mod">
+        <pc:chgData name="Cesar Augusto Lopez Gallego" userId="0dfa9112-9251-4882-b472-cf2dfcee09d1" providerId="ADAL" clId="{905DB7D2-AEB1-4AD4-839D-7B7F601BB3FC}" dt="2026-01-16T14:10:52.810" v="238" actId="20577"/>
+        <pc:sldMkLst>
+          <pc:docMk/>
+          <pc:sldMk cId="1648083925" sldId="330"/>
+        </pc:sldMkLst>
+        <pc:spChg chg="mod">
+          <ac:chgData name="Cesar Augusto Lopez Gallego" userId="0dfa9112-9251-4882-b472-cf2dfcee09d1" providerId="ADAL" clId="{905DB7D2-AEB1-4AD4-839D-7B7F601BB3FC}" dt="2026-01-16T14:10:52.810" v="238" actId="20577"/>
+          <ac:spMkLst>
+            <pc:docMk/>
+            <pc:sldMk cId="1648083925" sldId="330"/>
+            <ac:spMk id="5" creationId="{BF4D977B-FF9D-4150-8EA0-0FA45E09B693}"/>
+          </ac:spMkLst>
+        </pc:spChg>
+      </pc:sldChg>
+    </pc:docChg>
+  </pc:docChgLst>
+  <pc:docChgLst>
     <pc:chgData name="Cesar Augusto Lopez Gallego" userId="0dfa9112-9251-4882-b472-cf2dfcee09d1" providerId="ADAL" clId="{AB12C4D5-F8E9-473E-B44F-E606091E5539}"/>
     <pc:docChg chg="delSld">
       <pc:chgData name="Cesar Augusto Lopez Gallego" userId="0dfa9112-9251-4882-b472-cf2dfcee09d1" providerId="ADAL" clId="{AB12C4D5-F8E9-473E-B44F-E606091E5539}" dt="2024-07-17T18:27:51.234" v="0" actId="47"/>
@@ -1137,7 +1181,7 @@
           <a:p>
             <a:fld id="{BDCF4082-7146-476A-B590-4447682ABE83}" type="datetimeFigureOut">
               <a:rPr lang="es-CO" smtClean="0"/>
-              <a:t>15/07/2025</a:t>
+              <a:t>16/01/2026</a:t>
             </a:fld>
             <a:endParaRPr lang="es-CO"/>
           </a:p>
@@ -1932,7 +1976,7 @@
           <a:p>
             <a:fld id="{6B86245D-015E-46AE-96CC-32E8A5E9A1DF}" type="datetimeFigureOut">
               <a:rPr lang="es-CO" smtClean="0"/>
-              <a:t>15/07/2025</a:t>
+              <a:t>16/01/2026</a:t>
             </a:fld>
             <a:endParaRPr lang="es-CO"/>
           </a:p>
@@ -2102,7 +2146,7 @@
           <a:p>
             <a:fld id="{6B86245D-015E-46AE-96CC-32E8A5E9A1DF}" type="datetimeFigureOut">
               <a:rPr lang="es-CO" smtClean="0"/>
-              <a:t>15/07/2025</a:t>
+              <a:t>16/01/2026</a:t>
             </a:fld>
             <a:endParaRPr lang="es-CO"/>
           </a:p>
@@ -2282,7 +2326,7 @@
           <a:p>
             <a:fld id="{6B86245D-015E-46AE-96CC-32E8A5E9A1DF}" type="datetimeFigureOut">
               <a:rPr lang="es-CO" smtClean="0"/>
-              <a:t>15/07/2025</a:t>
+              <a:t>16/01/2026</a:t>
             </a:fld>
             <a:endParaRPr lang="es-CO"/>
           </a:p>
@@ -2481,7 +2525,7 @@
                 </a:solidFill>
               </a:rPr>
               <a:pPr/>
-              <a:t>15/07/2025</a:t>
+              <a:t>16/01/2026</a:t>
             </a:fld>
             <a:endParaRPr lang="es-CO">
               <a:solidFill>
@@ -2683,7 +2727,7 @@
                 </a:solidFill>
               </a:rPr>
               <a:pPr/>
-              <a:t>15/07/2025</a:t>
+              <a:t>16/01/2026</a:t>
             </a:fld>
             <a:endParaRPr lang="es-CO">
               <a:solidFill>
@@ -2961,7 +3005,7 @@
                 </a:solidFill>
               </a:rPr>
               <a:pPr/>
-              <a:t>15/07/2025</a:t>
+              <a:t>16/01/2026</a:t>
             </a:fld>
             <a:endParaRPr lang="es-CO">
               <a:solidFill>
@@ -3225,7 +3269,7 @@
                 </a:solidFill>
               </a:rPr>
               <a:pPr/>
-              <a:t>15/07/2025</a:t>
+              <a:t>16/01/2026</a:t>
             </a:fld>
             <a:endParaRPr lang="es-CO">
               <a:solidFill>
@@ -3624,7 +3668,7 @@
                 </a:solidFill>
               </a:rPr>
               <a:pPr/>
-              <a:t>15/07/2025</a:t>
+              <a:t>16/01/2026</a:t>
             </a:fld>
             <a:endParaRPr lang="es-CO">
               <a:solidFill>
@@ -3774,7 +3818,7 @@
                 </a:solidFill>
               </a:rPr>
               <a:pPr/>
-              <a:t>15/07/2025</a:t>
+              <a:t>16/01/2026</a:t>
             </a:fld>
             <a:endParaRPr lang="es-CO">
               <a:solidFill>
@@ -3901,7 +3945,7 @@
                 </a:solidFill>
               </a:rPr>
               <a:pPr/>
-              <a:t>15/07/2025</a:t>
+              <a:t>16/01/2026</a:t>
             </a:fld>
             <a:endParaRPr lang="es-CO">
               <a:solidFill>
@@ -4210,7 +4254,7 @@
                 </a:solidFill>
               </a:rPr>
               <a:pPr/>
-              <a:t>15/07/2025</a:t>
+              <a:t>16/01/2026</a:t>
             </a:fld>
             <a:endParaRPr lang="es-CO">
               <a:solidFill>
@@ -4405,7 +4449,7 @@
           <a:p>
             <a:fld id="{6B86245D-015E-46AE-96CC-32E8A5E9A1DF}" type="datetimeFigureOut">
               <a:rPr lang="es-CO" smtClean="0"/>
-              <a:t>15/07/2025</a:t>
+              <a:t>16/01/2026</a:t>
             </a:fld>
             <a:endParaRPr lang="es-CO"/>
           </a:p>
@@ -4669,7 +4713,7 @@
                 </a:solidFill>
               </a:rPr>
               <a:pPr/>
-              <a:t>15/07/2025</a:t>
+              <a:t>16/01/2026</a:t>
             </a:fld>
             <a:endParaRPr lang="es-CO">
               <a:solidFill>
@@ -4871,7 +4915,7 @@
                 </a:solidFill>
               </a:rPr>
               <a:pPr/>
-              <a:t>15/07/2025</a:t>
+              <a:t>16/01/2026</a:t>
             </a:fld>
             <a:endParaRPr lang="es-CO">
               <a:solidFill>
@@ -5083,7 +5127,7 @@
                 </a:solidFill>
               </a:rPr>
               <a:pPr/>
-              <a:t>15/07/2025</a:t>
+              <a:t>16/01/2026</a:t>
             </a:fld>
             <a:endParaRPr lang="es-CO">
               <a:solidFill>
@@ -5354,7 +5398,7 @@
           <a:p>
             <a:fld id="{6B86245D-015E-46AE-96CC-32E8A5E9A1DF}" type="datetimeFigureOut">
               <a:rPr lang="es-CO" smtClean="0"/>
-              <a:t>15/07/2025</a:t>
+              <a:t>16/01/2026</a:t>
             </a:fld>
             <a:endParaRPr lang="es-CO"/>
           </a:p>
@@ -5586,7 +5630,7 @@
           <a:p>
             <a:fld id="{6B86245D-015E-46AE-96CC-32E8A5E9A1DF}" type="datetimeFigureOut">
               <a:rPr lang="es-CO" smtClean="0"/>
-              <a:t>15/07/2025</a:t>
+              <a:t>16/01/2026</a:t>
             </a:fld>
             <a:endParaRPr lang="es-CO"/>
           </a:p>
@@ -5953,7 +5997,7 @@
           <a:p>
             <a:fld id="{6B86245D-015E-46AE-96CC-32E8A5E9A1DF}" type="datetimeFigureOut">
               <a:rPr lang="es-CO" smtClean="0"/>
-              <a:t>15/07/2025</a:t>
+              <a:t>16/01/2026</a:t>
             </a:fld>
             <a:endParaRPr lang="es-CO"/>
           </a:p>
@@ -6071,7 +6115,7 @@
           <a:p>
             <a:fld id="{6B86245D-015E-46AE-96CC-32E8A5E9A1DF}" type="datetimeFigureOut">
               <a:rPr lang="es-CO" smtClean="0"/>
-              <a:t>15/07/2025</a:t>
+              <a:t>16/01/2026</a:t>
             </a:fld>
             <a:endParaRPr lang="es-CO"/>
           </a:p>
@@ -6166,7 +6210,7 @@
           <a:p>
             <a:fld id="{6B86245D-015E-46AE-96CC-32E8A5E9A1DF}" type="datetimeFigureOut">
               <a:rPr lang="es-CO" smtClean="0"/>
-              <a:t>15/07/2025</a:t>
+              <a:t>16/01/2026</a:t>
             </a:fld>
             <a:endParaRPr lang="es-CO"/>
           </a:p>
@@ -6443,7 +6487,7 @@
           <a:p>
             <a:fld id="{6B86245D-015E-46AE-96CC-32E8A5E9A1DF}" type="datetimeFigureOut">
               <a:rPr lang="es-CO" smtClean="0"/>
-              <a:t>15/07/2025</a:t>
+              <a:t>16/01/2026</a:t>
             </a:fld>
             <a:endParaRPr lang="es-CO"/>
           </a:p>
@@ -6700,7 +6744,7 @@
           <a:p>
             <a:fld id="{6B86245D-015E-46AE-96CC-32E8A5E9A1DF}" type="datetimeFigureOut">
               <a:rPr lang="es-CO" smtClean="0"/>
-              <a:t>15/07/2025</a:t>
+              <a:t>16/01/2026</a:t>
             </a:fld>
             <a:endParaRPr lang="es-CO"/>
           </a:p>
@@ -6922,7 +6966,7 @@
           <a:p>
             <a:fld id="{6B86245D-015E-46AE-96CC-32E8A5E9A1DF}" type="datetimeFigureOut">
               <a:rPr lang="es-CO" smtClean="0"/>
-              <a:t>15/07/2025</a:t>
+              <a:t>16/01/2026</a:t>
             </a:fld>
             <a:endParaRPr lang="es-CO"/>
           </a:p>
@@ -7478,7 +7522,7 @@
                 </a:solidFill>
               </a:rPr>
               <a:pPr/>
-              <a:t>15/07/2025</a:t>
+              <a:t>16/01/2026</a:t>
             </a:fld>
             <a:endParaRPr lang="es-CO">
               <a:solidFill>
@@ -8089,13 +8133,13 @@
         </p:nvSpPr>
         <p:spPr>
           <a:xfrm>
-            <a:off x="933880" y="3828852"/>
-            <a:ext cx="11917680" cy="847965"/>
+            <a:off x="771041" y="2764140"/>
+            <a:ext cx="11917680" cy="2233745"/>
           </a:xfrm>
         </p:spPr>
         <p:txBody>
           <a:bodyPr vert="horz" lIns="91440" tIns="45720" rIns="91440" bIns="45720" rtlCol="0" anchor="t">
-            <a:normAutofit fontScale="92500" lnSpcReduction="20000"/>
+            <a:normAutofit/>
           </a:bodyPr>
           <a:lstStyle/>
           <a:p>
@@ -8103,10 +8147,36 @@
               <a:buNone/>
             </a:pPr>
             <a:r>
-              <a:rPr lang="es-CO" sz="6600" dirty="0"/>
+              <a:rPr lang="es-CO" sz="4400" dirty="0"/>
               <a:t>C</a:t>
             </a:r>
-            <a:endParaRPr lang="en-US" sz="6600" dirty="0"/>
+          </a:p>
+          <a:p>
+            <a:pPr marL="0" indent="0" algn="ctr">
+              <a:buNone/>
+            </a:pPr>
+            <a:r>
+              <a:rPr lang="en-US" sz="4400" dirty="0"/>
+              <a:t>Python</a:t>
+            </a:r>
+          </a:p>
+          <a:p>
+            <a:pPr marL="0" indent="0" algn="ctr">
+              <a:buNone/>
+            </a:pPr>
+            <a:r>
+              <a:rPr lang="en-US" sz="2800" dirty="0"/>
+              <a:t>(</a:t>
+            </a:r>
+            <a:r>
+              <a:rPr lang="es-ES" sz="2800" dirty="0"/>
+              <a:t>En las semanas finales del curso</a:t>
+            </a:r>
+            <a:r>
+              <a:rPr lang="en-US" sz="2800" dirty="0"/>
+              <a:t>)</a:t>
+            </a:r>
+            <a:endParaRPr lang="en-US" sz="4400" dirty="0"/>
           </a:p>
         </p:txBody>
       </p:sp>
@@ -14429,8 +14499,34 @@
                 <a:ea typeface="Calibri"/>
                 <a:cs typeface="Calibri"/>
               </a:rPr>
-              <a:t> C.</a:t>
-            </a:r>
+              <a:t> C</a:t>
+            </a:r>
+          </a:p>
+          <a:p>
+            <a:pPr marL="776605" lvl="1" indent="-258445">
+              <a:buFont typeface="Courier New" panose="020B0604020202020204" pitchFamily="34" charset="0"/>
+              <a:buChar char="o"/>
+            </a:pPr>
+            <a:r>
+              <a:rPr lang="en-US" sz="2000" dirty="0" err="1">
+                <a:ea typeface="Calibri"/>
+                <a:cs typeface="Calibri"/>
+              </a:rPr>
+              <a:t>Punteros</a:t>
+            </a:r>
+            <a:endParaRPr lang="en-US" sz="2000" dirty="0">
+              <a:ea typeface="Calibri"/>
+              <a:cs typeface="Calibri"/>
+            </a:endParaRPr>
+          </a:p>
+          <a:p>
+            <a:pPr marL="518160" lvl="1" indent="0">
+              <a:buNone/>
+            </a:pPr>
+            <a:endParaRPr lang="en-US" sz="2000" dirty="0">
+              <a:ea typeface="Calibri"/>
+              <a:cs typeface="Calibri"/>
+            </a:endParaRPr>
           </a:p>
         </p:txBody>
       </p:sp>
@@ -14995,6 +15091,37 @@
                                           <p:spTgt spid="8">
                                             <p:txEl>
                                               <p:pRg st="10" end="10"/>
+                                            </p:txEl>
+                                          </p:spTgt>
+                                        </p:tgtEl>
+                                        <p:attrNameLst>
+                                          <p:attrName>style.visibility</p:attrName>
+                                        </p:attrNameLst>
+                                      </p:cBhvr>
+                                      <p:to>
+                                        <p:strVal val="visible"/>
+                                      </p:to>
+                                    </p:set>
+                                  </p:childTnLst>
+                                </p:cTn>
+                              </p:par>
+                              <p:par>
+                                <p:cTn id="47" presetID="1" presetClass="entr" presetSubtype="0" fill="hold" grpId="0" nodeType="withEffect">
+                                  <p:stCondLst>
+                                    <p:cond delay="0"/>
+                                  </p:stCondLst>
+                                  <p:childTnLst>
+                                    <p:set>
+                                      <p:cBhvr>
+                                        <p:cTn id="48" dur="1" fill="hold">
+                                          <p:stCondLst>
+                                            <p:cond delay="0"/>
+                                          </p:stCondLst>
+                                        </p:cTn>
+                                        <p:tgtEl>
+                                          <p:spTgt spid="8">
+                                            <p:txEl>
+                                              <p:pRg st="11" end="11"/>
                                             </p:txEl>
                                           </p:spTgt>
                                         </p:tgtEl>
@@ -17584,15 +17711,35 @@
             <a:pPr marL="258445" indent="-258445"/>
             <a:r>
               <a:rPr lang="es-CO" dirty="0"/>
-              <a:t>Parcial 1: 20%</a:t>
-            </a:r>
-            <a:endParaRPr lang="en-US"/>
+              <a:t>Parcial 1: 20% </a:t>
+            </a:r>
+            <a:r>
+              <a:rPr lang="es-ES" dirty="0"/>
+              <a:t>➡️ </a:t>
+            </a:r>
+            <a:r>
+              <a:rPr lang="es-CO" dirty="0">
+                <a:sym typeface="Wingdings" panose="05000000000000000000" pitchFamily="2" charset="2"/>
+              </a:rPr>
+              <a:t>Semana 4</a:t>
+            </a:r>
+            <a:endParaRPr lang="en-US" dirty="0"/>
           </a:p>
           <a:p>
             <a:pPr marL="258445" indent="-258445"/>
             <a:r>
               <a:rPr lang="es-CO" dirty="0"/>
-              <a:t>Parcial 2: 20%</a:t>
+              <a:t>Parcial 2: 20% </a:t>
+            </a:r>
+            <a:r>
+              <a:rPr lang="es-ES" dirty="0"/>
+              <a:t>➡️ </a:t>
+            </a:r>
+            <a:r>
+              <a:rPr lang="es-CO" dirty="0">
+                <a:sym typeface="Wingdings" panose="05000000000000000000" pitchFamily="2" charset="2"/>
+              </a:rPr>
+              <a:t>Semana 8</a:t>
             </a:r>
             <a:endParaRPr lang="es-CO" dirty="0">
               <a:ea typeface="Calibri" panose="020F0502020204030204"/>
@@ -17606,8 +17753,22 @@
                 <a:ea typeface="Calibri"/>
                 <a:cs typeface="Calibri"/>
               </a:rPr>
-              <a:t>Parcial 3: 20%</a:t>
-            </a:r>
+              <a:t>Parcial 3: 20% </a:t>
+            </a:r>
+            <a:r>
+              <a:rPr lang="es-ES" sz="3200" dirty="0"/>
+              <a:t>➡️ </a:t>
+            </a:r>
+            <a:r>
+              <a:rPr lang="es-CO" sz="3200" dirty="0">
+                <a:sym typeface="Wingdings" panose="05000000000000000000" pitchFamily="2" charset="2"/>
+              </a:rPr>
+              <a:t>Semana 12</a:t>
+            </a:r>
+            <a:endParaRPr lang="es-CO" sz="3200" dirty="0">
+              <a:ea typeface="Calibri"/>
+              <a:cs typeface="Calibri"/>
+            </a:endParaRPr>
           </a:p>
           <a:p>
             <a:pPr marL="258445" indent="-258445"/>
@@ -17616,8 +17777,22 @@
                 <a:ea typeface="Calibri"/>
                 <a:cs typeface="Calibri"/>
               </a:rPr>
-              <a:t>Parcial 4: 20%</a:t>
-            </a:r>
+              <a:t>Parcial 4: 20% </a:t>
+            </a:r>
+            <a:r>
+              <a:rPr lang="es-ES" sz="3200" dirty="0"/>
+              <a:t>➡️ </a:t>
+            </a:r>
+            <a:r>
+              <a:rPr lang="es-CO" sz="3200" dirty="0">
+                <a:sym typeface="Wingdings" panose="05000000000000000000" pitchFamily="2" charset="2"/>
+              </a:rPr>
+              <a:t>Semana 15</a:t>
+            </a:r>
+            <a:endParaRPr lang="es-CO" sz="3200" dirty="0">
+              <a:ea typeface="Calibri"/>
+              <a:cs typeface="Calibri"/>
+            </a:endParaRPr>
           </a:p>
           <a:p>
             <a:pPr marL="258445" indent="-258445"/>
@@ -17626,7 +17801,7 @@
                 <a:ea typeface="Calibri"/>
                 <a:cs typeface="Calibri"/>
               </a:rPr>
-              <a:t>Seguimiento a talleres y trabajos en clase: 20%</a:t>
+              <a:t>Final: 20%</a:t>
             </a:r>
           </a:p>
         </p:txBody>
